--- a/Mod07/Mod07 - Background in PPT.pptx
+++ b/Mod07/Mod07 - Background in PPT.pptx
@@ -952,7 +952,7 @@
           <a:p>
             <a:fld id="{98BAF8D4-C975-49C4-BA31-638212D6F57E}" type="datetimeFigureOut">
               <a:rPr lang="pt-BR" smtClean="0"/>
-              <a:t>26/03/2023</a:t>
+              <a:t>27/03/2023</a:t>
             </a:fld>
             <a:endParaRPr lang="pt-BR"/>
           </a:p>
@@ -1133,7 +1133,7 @@
           <a:p>
             <a:fld id="{98BAF8D4-C975-49C4-BA31-638212D6F57E}" type="datetimeFigureOut">
               <a:rPr lang="pt-BR" smtClean="0"/>
-              <a:t>26/03/2023</a:t>
+              <a:t>27/03/2023</a:t>
             </a:fld>
             <a:endParaRPr lang="pt-BR"/>
           </a:p>
@@ -1406,7 +1406,7 @@
           <a:p>
             <a:fld id="{98BAF8D4-C975-49C4-BA31-638212D6F57E}" type="datetimeFigureOut">
               <a:rPr lang="pt-BR" smtClean="0"/>
-              <a:t>26/03/2023</a:t>
+              <a:t>27/03/2023</a:t>
             </a:fld>
             <a:endParaRPr lang="pt-BR"/>
           </a:p>
@@ -1725,7 +1725,7 @@
           <a:p>
             <a:fld id="{98BAF8D4-C975-49C4-BA31-638212D6F57E}" type="datetimeFigureOut">
               <a:rPr lang="pt-BR" smtClean="0"/>
-              <a:t>26/03/2023</a:t>
+              <a:t>27/03/2023</a:t>
             </a:fld>
             <a:endParaRPr lang="pt-BR"/>
           </a:p>
@@ -2190,7 +2190,7 @@
           <a:p>
             <a:fld id="{98BAF8D4-C975-49C4-BA31-638212D6F57E}" type="datetimeFigureOut">
               <a:rPr lang="pt-BR" smtClean="0"/>
-              <a:t>26/03/2023</a:t>
+              <a:t>27/03/2023</a:t>
             </a:fld>
             <a:endParaRPr lang="pt-BR"/>
           </a:p>
@@ -2337,7 +2337,7 @@
           <a:p>
             <a:fld id="{98BAF8D4-C975-49C4-BA31-638212D6F57E}" type="datetimeFigureOut">
               <a:rPr lang="pt-BR" smtClean="0"/>
-              <a:t>26/03/2023</a:t>
+              <a:t>27/03/2023</a:t>
             </a:fld>
             <a:endParaRPr lang="pt-BR"/>
           </a:p>
@@ -2461,7 +2461,7 @@
           <a:p>
             <a:fld id="{98BAF8D4-C975-49C4-BA31-638212D6F57E}" type="datetimeFigureOut">
               <a:rPr lang="pt-BR" smtClean="0"/>
-              <a:t>26/03/2023</a:t>
+              <a:t>27/03/2023</a:t>
             </a:fld>
             <a:endParaRPr lang="pt-BR"/>
           </a:p>
@@ -2768,7 +2768,7 @@
           <a:p>
             <a:fld id="{98BAF8D4-C975-49C4-BA31-638212D6F57E}" type="datetimeFigureOut">
               <a:rPr lang="pt-BR" smtClean="0"/>
-              <a:t>26/03/2023</a:t>
+              <a:t>27/03/2023</a:t>
             </a:fld>
             <a:endParaRPr lang="pt-BR"/>
           </a:p>
@@ -3072,7 +3072,7 @@
           <a:p>
             <a:fld id="{98BAF8D4-C975-49C4-BA31-638212D6F57E}" type="datetimeFigureOut">
               <a:rPr lang="pt-BR" smtClean="0"/>
-              <a:t>26/03/2023</a:t>
+              <a:t>27/03/2023</a:t>
             </a:fld>
             <a:endParaRPr lang="pt-BR"/>
           </a:p>
@@ -4369,7 +4369,7 @@
           <a:p>
             <a:fld id="{98BAF8D4-C975-49C4-BA31-638212D6F57E}" type="datetimeFigureOut">
               <a:rPr lang="pt-BR" smtClean="0"/>
-              <a:t>26/03/2023</a:t>
+              <a:t>27/03/2023</a:t>
             </a:fld>
             <a:endParaRPr lang="pt-BR"/>
           </a:p>
@@ -4592,7 +4592,7 @@
           <a:p>
             <a:fld id="{98BAF8D4-C975-49C4-BA31-638212D6F57E}" type="datetimeFigureOut">
               <a:rPr lang="pt-BR" smtClean="0"/>
-              <a:t>26/03/2023</a:t>
+              <a:t>27/03/2023</a:t>
             </a:fld>
             <a:endParaRPr lang="pt-BR"/>
           </a:p>
@@ -4889,7 +4889,7 @@
           <a:p>
             <a:fld id="{98BAF8D4-C975-49C4-BA31-638212D6F57E}" type="datetimeFigureOut">
               <a:rPr lang="pt-BR" smtClean="0"/>
-              <a:t>26/03/2023</a:t>
+              <a:t>27/03/2023</a:t>
             </a:fld>
             <a:endParaRPr lang="pt-BR"/>
           </a:p>
@@ -5250,7 +5250,7 @@
           <a:p>
             <a:fld id="{98BAF8D4-C975-49C4-BA31-638212D6F57E}" type="datetimeFigureOut">
               <a:rPr lang="pt-BR" smtClean="0"/>
-              <a:t>26/03/2023</a:t>
+              <a:t>27/03/2023</a:t>
             </a:fld>
             <a:endParaRPr lang="pt-BR"/>
           </a:p>
@@ -5889,7 +5889,7 @@
           <a:p>
             <a:fld id="{98BAF8D4-C975-49C4-BA31-638212D6F57E}" type="datetimeFigureOut">
               <a:rPr lang="pt-BR" smtClean="0"/>
-              <a:t>26/03/2023</a:t>
+              <a:t>27/03/2023</a:t>
             </a:fld>
             <a:endParaRPr lang="pt-BR"/>
           </a:p>
@@ -6765,7 +6765,7 @@
           <a:p>
             <a:fld id="{98BAF8D4-C975-49C4-BA31-638212D6F57E}" type="datetimeFigureOut">
               <a:rPr lang="pt-BR" smtClean="0"/>
-              <a:t>26/03/2023</a:t>
+              <a:t>27/03/2023</a:t>
             </a:fld>
             <a:endParaRPr lang="pt-BR"/>
           </a:p>
@@ -6963,7 +6963,7 @@
           <a:p>
             <a:fld id="{98BAF8D4-C975-49C4-BA31-638212D6F57E}" type="datetimeFigureOut">
               <a:rPr lang="pt-BR" smtClean="0"/>
-              <a:t>26/03/2023</a:t>
+              <a:t>27/03/2023</a:t>
             </a:fld>
             <a:endParaRPr lang="pt-BR"/>
           </a:p>
@@ -7171,7 +7171,7 @@
           <a:p>
             <a:fld id="{98BAF8D4-C975-49C4-BA31-638212D6F57E}" type="datetimeFigureOut">
               <a:rPr lang="pt-BR" smtClean="0"/>
-              <a:t>26/03/2023</a:t>
+              <a:t>27/03/2023</a:t>
             </a:fld>
             <a:endParaRPr lang="pt-BR"/>
           </a:p>
@@ -19025,7 +19025,7 @@
           <a:p>
             <a:fld id="{98BAF8D4-C975-49C4-BA31-638212D6F57E}" type="datetimeFigureOut">
               <a:rPr lang="pt-BR" smtClean="0"/>
-              <a:t>26/03/2023</a:t>
+              <a:t>27/03/2023</a:t>
             </a:fld>
             <a:endParaRPr lang="pt-BR"/>
           </a:p>
@@ -19206,7 +19206,7 @@
           <a:p>
             <a:fld id="{98BAF8D4-C975-49C4-BA31-638212D6F57E}" type="datetimeFigureOut">
               <a:rPr lang="pt-BR" smtClean="0"/>
-              <a:t>26/03/2023</a:t>
+              <a:t>27/03/2023</a:t>
             </a:fld>
             <a:endParaRPr lang="pt-BR"/>
           </a:p>
@@ -20087,7 +20087,7 @@
           <a:p>
             <a:fld id="{98BAF8D4-C975-49C4-BA31-638212D6F57E}" type="datetimeFigureOut">
               <a:rPr lang="pt-BR" smtClean="0"/>
-              <a:t>26/03/2023</a:t>
+              <a:t>27/03/2023</a:t>
             </a:fld>
             <a:endParaRPr lang="pt-BR"/>
           </a:p>
@@ -20406,7 +20406,7 @@
           <a:p>
             <a:fld id="{98BAF8D4-C975-49C4-BA31-638212D6F57E}" type="datetimeFigureOut">
               <a:rPr lang="pt-BR" smtClean="0"/>
-              <a:t>26/03/2023</a:t>
+              <a:t>27/03/2023</a:t>
             </a:fld>
             <a:endParaRPr lang="pt-BR"/>
           </a:p>
@@ -20871,7 +20871,7 @@
           <a:p>
             <a:fld id="{98BAF8D4-C975-49C4-BA31-638212D6F57E}" type="datetimeFigureOut">
               <a:rPr lang="pt-BR" smtClean="0"/>
-              <a:t>26/03/2023</a:t>
+              <a:t>27/03/2023</a:t>
             </a:fld>
             <a:endParaRPr lang="pt-BR"/>
           </a:p>
@@ -21018,7 +21018,7 @@
           <a:p>
             <a:fld id="{98BAF8D4-C975-49C4-BA31-638212D6F57E}" type="datetimeFigureOut">
               <a:rPr lang="pt-BR" smtClean="0"/>
-              <a:t>26/03/2023</a:t>
+              <a:t>27/03/2023</a:t>
             </a:fld>
             <a:endParaRPr lang="pt-BR"/>
           </a:p>
@@ -21142,7 +21142,7 @@
           <a:p>
             <a:fld id="{98BAF8D4-C975-49C4-BA31-638212D6F57E}" type="datetimeFigureOut">
               <a:rPr lang="pt-BR" smtClean="0"/>
-              <a:t>26/03/2023</a:t>
+              <a:t>27/03/2023</a:t>
             </a:fld>
             <a:endParaRPr lang="pt-BR"/>
           </a:p>
@@ -21449,7 +21449,7 @@
           <a:p>
             <a:fld id="{98BAF8D4-C975-49C4-BA31-638212D6F57E}" type="datetimeFigureOut">
               <a:rPr lang="pt-BR" smtClean="0"/>
-              <a:t>26/03/2023</a:t>
+              <a:t>27/03/2023</a:t>
             </a:fld>
             <a:endParaRPr lang="pt-BR"/>
           </a:p>
@@ -21753,7 +21753,7 @@
           <a:p>
             <a:fld id="{98BAF8D4-C975-49C4-BA31-638212D6F57E}" type="datetimeFigureOut">
               <a:rPr lang="pt-BR" smtClean="0"/>
-              <a:t>26/03/2023</a:t>
+              <a:t>27/03/2023</a:t>
             </a:fld>
             <a:endParaRPr lang="pt-BR"/>
           </a:p>
@@ -22057,7 +22057,7 @@
           <a:p>
             <a:fld id="{98BAF8D4-C975-49C4-BA31-638212D6F57E}" type="datetimeFigureOut">
               <a:rPr lang="pt-BR" smtClean="0"/>
-              <a:t>26/03/2023</a:t>
+              <a:t>27/03/2023</a:t>
             </a:fld>
             <a:endParaRPr lang="pt-BR"/>
           </a:p>
@@ -22280,7 +22280,7 @@
           <a:p>
             <a:fld id="{98BAF8D4-C975-49C4-BA31-638212D6F57E}" type="datetimeFigureOut">
               <a:rPr lang="pt-BR" smtClean="0"/>
-              <a:t>26/03/2023</a:t>
+              <a:t>27/03/2023</a:t>
             </a:fld>
             <a:endParaRPr lang="pt-BR"/>
           </a:p>
@@ -22577,7 +22577,7 @@
           <a:p>
             <a:fld id="{98BAF8D4-C975-49C4-BA31-638212D6F57E}" type="datetimeFigureOut">
               <a:rPr lang="pt-BR" smtClean="0"/>
-              <a:t>26/03/2023</a:t>
+              <a:t>27/03/2023</a:t>
             </a:fld>
             <a:endParaRPr lang="pt-BR"/>
           </a:p>
@@ -23609,7 +23609,7 @@
           <a:p>
             <a:fld id="{98BAF8D4-C975-49C4-BA31-638212D6F57E}" type="datetimeFigureOut">
               <a:rPr lang="pt-BR" smtClean="0"/>
-              <a:t>26/03/2023</a:t>
+              <a:t>27/03/2023</a:t>
             </a:fld>
             <a:endParaRPr lang="pt-BR"/>
           </a:p>
@@ -24248,7 +24248,7 @@
           <a:p>
             <a:fld id="{98BAF8D4-C975-49C4-BA31-638212D6F57E}" type="datetimeFigureOut">
               <a:rPr lang="pt-BR" smtClean="0"/>
-              <a:t>26/03/2023</a:t>
+              <a:t>27/03/2023</a:t>
             </a:fld>
             <a:endParaRPr lang="pt-BR"/>
           </a:p>
@@ -25124,7 +25124,7 @@
           <a:p>
             <a:fld id="{98BAF8D4-C975-49C4-BA31-638212D6F57E}" type="datetimeFigureOut">
               <a:rPr lang="pt-BR" smtClean="0"/>
-              <a:t>26/03/2023</a:t>
+              <a:t>27/03/2023</a:t>
             </a:fld>
             <a:endParaRPr lang="pt-BR"/>
           </a:p>
@@ -25322,7 +25322,7 @@
           <a:p>
             <a:fld id="{98BAF8D4-C975-49C4-BA31-638212D6F57E}" type="datetimeFigureOut">
               <a:rPr lang="pt-BR" smtClean="0"/>
-              <a:t>26/03/2023</a:t>
+              <a:t>27/03/2023</a:t>
             </a:fld>
             <a:endParaRPr lang="pt-BR"/>
           </a:p>
@@ -25530,7 +25530,7 @@
           <a:p>
             <a:fld id="{98BAF8D4-C975-49C4-BA31-638212D6F57E}" type="datetimeFigureOut">
               <a:rPr lang="pt-BR" smtClean="0"/>
-              <a:t>26/03/2023</a:t>
+              <a:t>27/03/2023</a:t>
             </a:fld>
             <a:endParaRPr lang="pt-BR"/>
           </a:p>
@@ -29000,7 +29000,7 @@
           <a:p>
             <a:fld id="{98BAF8D4-C975-49C4-BA31-638212D6F57E}" type="datetimeFigureOut">
               <a:rPr lang="pt-BR" smtClean="0"/>
-              <a:t>26/03/2023</a:t>
+              <a:t>27/03/2023</a:t>
             </a:fld>
             <a:endParaRPr lang="pt-BR"/>
           </a:p>
@@ -29825,7 +29825,7 @@
           <a:p>
             <a:fld id="{98BAF8D4-C975-49C4-BA31-638212D6F57E}" type="datetimeFigureOut">
               <a:rPr lang="pt-BR" smtClean="0"/>
-              <a:t>26/03/2023</a:t>
+              <a:t>27/03/2023</a:t>
             </a:fld>
             <a:endParaRPr lang="pt-BR"/>
           </a:p>
@@ -30504,7 +30504,7 @@
           <a:p>
             <a:r>
               <a:rPr lang="pt-BR" dirty="0"/>
-              <a:t>Dashboard de Vendas</a:t>
+              <a:t>Vendas</a:t>
             </a:r>
           </a:p>
         </p:txBody>
